--- a/PPT/基于多Agent的动态调度系统.pptx
+++ b/PPT/基于多Agent的动态调度系统.pptx
@@ -5921,7 +5921,7 @@
                     <a:ea typeface="微软雅黑" panose="020B0503020204020204" pitchFamily="34" charset="-122"/>
                     <a:sym typeface="微软雅黑" panose="020B0503020204020204" pitchFamily="34" charset="-122"/>
                   </a:rPr>
-                  <a:t>      线程池实现设置好初始线程数目，最大线程数目。同步阻塞队列没有容量，每一个请求的插入操作都必须等待一个对应的删除操作，反之亦然。因此</a:t>
+                  <a:t>      线程池需设置好初始线程数目，最大线程数目。同步阻塞队列没有容量，每一个请求的插入操作都必须等待一个对应的删除操作，反之亦然。因此</a:t>
                 </a:r>
                 <a:r>
                   <a:rPr lang="en-US" altLang="zh-CN" sz="2000" dirty="0">
@@ -6774,8 +6774,8 @@
         </p:nvSpPr>
         <p:spPr bwMode="auto">
           <a:xfrm>
-            <a:off x="2541180" y="4325055"/>
-            <a:ext cx="7109639" cy="923330"/>
+            <a:off x="3233676" y="4325055"/>
+            <a:ext cx="5724644" cy="923330"/>
           </a:xfrm>
           <a:prstGeom prst="rect">
             <a:avLst/>
@@ -6812,6 +6812,24 @@
           <a:p>
             <a:pPr algn="ctr"/>
             <a:r>
+              <a:rPr lang="zh-CN" altLang="en-US" sz="5400" b="1">
+                <a:solidFill>
+                  <a:srgbClr val="FEFEFE"/>
+                </a:solidFill>
+                <a:effectLst>
+                  <a:outerShdw blurRad="50800" dist="38100" dir="2700000" algn="tl" rotWithShape="0">
+                    <a:prstClr val="black">
+                      <a:alpha val="40000"/>
+                    </a:prstClr>
+                  </a:outerShdw>
+                </a:effectLst>
+                <a:latin typeface="微软雅黑" panose="020B0503020204020204" pitchFamily="34" charset="-122"/>
+                <a:ea typeface="微软雅黑" panose="020B0503020204020204" pitchFamily="34" charset="-122"/>
+                <a:sym typeface="微软雅黑" panose="020B0503020204020204" pitchFamily="34" charset="-122"/>
+              </a:rPr>
+              <a:t>调度和</a:t>
+            </a:r>
+            <a:r>
               <a:rPr lang="zh-CN" altLang="en-US" sz="5400" b="1" dirty="0">
                 <a:solidFill>
                   <a:srgbClr val="FEFEFE"/>
@@ -6827,7 +6845,7 @@
                 <a:ea typeface="微软雅黑" panose="020B0503020204020204" pitchFamily="34" charset="-122"/>
                 <a:sym typeface="微软雅黑" panose="020B0503020204020204" pitchFamily="34" charset="-122"/>
               </a:rPr>
-              <a:t>调度规则和重调度规则</a:t>
+              <a:t>重调度策略</a:t>
             </a:r>
             <a:endParaRPr lang="en-US" altLang="en-US" sz="5400" b="1" dirty="0">
               <a:solidFill>
@@ -8112,7 +8130,7 @@
                 <a:ea typeface="微软雅黑" panose="020B0503020204020204" pitchFamily="34" charset="-122"/>
                 <a:sym typeface="微软雅黑" panose="020B0503020204020204" pitchFamily="34" charset="-122"/>
               </a:rPr>
-              <a:t>任务分解分配策略最终得到若干任务分配的可行解，对于其中的最优解需要由算法</a:t>
+              <a:t>任务分解分配策略最终得到若干任务分配的可行解，对于其中的最优解需要借助算法</a:t>
             </a:r>
             <a:r>
               <a:rPr lang="en-US" altLang="zh-CN" sz="2000" dirty="0">
@@ -17121,7 +17139,7 @@
                 <a:ea typeface="微软雅黑" panose="020B0503020204020204" pitchFamily="34" charset="-122"/>
                 <a:sym typeface="微软雅黑" panose="020B0503020204020204" pitchFamily="34" charset="-122"/>
               </a:rPr>
-              <a:t>每个工件各加工工序具有多个可选加工工艺，以及受工艺约束的工序排序和机器选择等柔性因素存在，使得各工件加工具有多条可选工艺路线。随着问题规模的增长，求解时间将呈指数增长。</a:t>
+              <a:t>每个工件各加工工序具有多个可选加工工艺，以及受工艺约束的工序排序和机器选择等柔性因素存在，使得各工件加工存在多种加工路线。随着问题规模的增长，求解时间将呈指数增长。</a:t>
             </a:r>
           </a:p>
         </p:txBody>
@@ -18965,7 +18983,7 @@
         <p:spPr bwMode="auto">
           <a:xfrm>
             <a:off x="330201" y="920848"/>
-            <a:ext cx="11504295" cy="461665"/>
+            <a:ext cx="11504295" cy="1384995"/>
           </a:xfrm>
           <a:prstGeom prst="rect">
             <a:avLst/>
@@ -19070,8 +19088,93 @@
                 <a:ea typeface="微软雅黑" panose="020B0503020204020204" pitchFamily="34" charset="-122"/>
                 <a:sym typeface="微软雅黑" panose="020B0503020204020204" pitchFamily="34" charset="-122"/>
               </a:rPr>
-              <a:t>对维修人员的工作状态和工作进度进行仿真。</a:t>
-            </a:r>
+              <a:t>对维修人员的工作状态和工作进度进行仿真，故障修复后，通知管理</a:t>
+            </a:r>
+            <a:r>
+              <a:rPr lang="en-US" altLang="zh-CN" sz="2000" dirty="0">
+                <a:solidFill>
+                  <a:schemeClr val="bg1"/>
+                </a:solidFill>
+                <a:effectLst>
+                  <a:outerShdw blurRad="50800" dist="38100" dir="2700000" algn="tl" rotWithShape="0">
+                    <a:prstClr val="black">
+                      <a:alpha val="40000"/>
+                    </a:prstClr>
+                  </a:outerShdw>
+                </a:effectLst>
+                <a:latin typeface="微软雅黑" panose="020B0503020204020204" pitchFamily="34" charset="-122"/>
+                <a:ea typeface="微软雅黑" panose="020B0503020204020204" pitchFamily="34" charset="-122"/>
+                <a:sym typeface="微软雅黑" panose="020B0503020204020204" pitchFamily="34" charset="-122"/>
+              </a:rPr>
+              <a:t>Agent</a:t>
+            </a:r>
+            <a:r>
+              <a:rPr lang="zh-CN" altLang="en-US" sz="2000" dirty="0">
+                <a:solidFill>
+                  <a:schemeClr val="bg1"/>
+                </a:solidFill>
+                <a:effectLst>
+                  <a:outerShdw blurRad="50800" dist="38100" dir="2700000" algn="tl" rotWithShape="0">
+                    <a:prstClr val="black">
+                      <a:alpha val="40000"/>
+                    </a:prstClr>
+                  </a:outerShdw>
+                </a:effectLst>
+                <a:latin typeface="微软雅黑" panose="020B0503020204020204" pitchFamily="34" charset="-122"/>
+                <a:ea typeface="微软雅黑" panose="020B0503020204020204" pitchFamily="34" charset="-122"/>
+                <a:sym typeface="微软雅黑" panose="020B0503020204020204" pitchFamily="34" charset="-122"/>
+              </a:rPr>
+              <a:t>启动重调度。</a:t>
+            </a:r>
+            <a:endParaRPr lang="en-US" altLang="zh-CN" sz="2000" dirty="0">
+              <a:solidFill>
+                <a:schemeClr val="bg1"/>
+              </a:solidFill>
+              <a:effectLst>
+                <a:outerShdw blurRad="50800" dist="38100" dir="2700000" algn="tl" rotWithShape="0">
+                  <a:prstClr val="black">
+                    <a:alpha val="40000"/>
+                  </a:prstClr>
+                </a:outerShdw>
+              </a:effectLst>
+              <a:latin typeface="微软雅黑" panose="020B0503020204020204" pitchFamily="34" charset="-122"/>
+              <a:ea typeface="微软雅黑" panose="020B0503020204020204" pitchFamily="34" charset="-122"/>
+              <a:sym typeface="微软雅黑" panose="020B0503020204020204" pitchFamily="34" charset="-122"/>
+            </a:endParaRPr>
+          </a:p>
+          <a:p>
+            <a:endParaRPr lang="en-US" altLang="zh-CN" sz="2000" dirty="0">
+              <a:solidFill>
+                <a:schemeClr val="bg1"/>
+              </a:solidFill>
+              <a:effectLst>
+                <a:outerShdw blurRad="50800" dist="38100" dir="2700000" algn="tl" rotWithShape="0">
+                  <a:prstClr val="black">
+                    <a:alpha val="40000"/>
+                  </a:prstClr>
+                </a:outerShdw>
+              </a:effectLst>
+              <a:latin typeface="微软雅黑" panose="020B0503020204020204" pitchFamily="34" charset="-122"/>
+              <a:ea typeface="微软雅黑" panose="020B0503020204020204" pitchFamily="34" charset="-122"/>
+              <a:sym typeface="微软雅黑" panose="020B0503020204020204" pitchFamily="34" charset="-122"/>
+            </a:endParaRPr>
+          </a:p>
+          <a:p>
+            <a:endParaRPr lang="zh-CN" altLang="en-US" sz="2000" dirty="0">
+              <a:solidFill>
+                <a:schemeClr val="bg1"/>
+              </a:solidFill>
+              <a:effectLst>
+                <a:outerShdw blurRad="50800" dist="38100" dir="2700000" algn="tl" rotWithShape="0">
+                  <a:prstClr val="black">
+                    <a:alpha val="40000"/>
+                  </a:prstClr>
+                </a:outerShdw>
+              </a:effectLst>
+              <a:latin typeface="微软雅黑" panose="020B0503020204020204" pitchFamily="34" charset="-122"/>
+              <a:ea typeface="微软雅黑" panose="020B0503020204020204" pitchFamily="34" charset="-122"/>
+              <a:sym typeface="微软雅黑" panose="020B0503020204020204" pitchFamily="34" charset="-122"/>
+            </a:endParaRPr>
           </a:p>
         </p:txBody>
       </p:sp>
@@ -19091,7 +19194,7 @@
         </p:nvSpPr>
         <p:spPr bwMode="auto">
           <a:xfrm>
-            <a:off x="330200" y="1613345"/>
+            <a:off x="330200" y="2161985"/>
             <a:ext cx="11504295" cy="769441"/>
           </a:xfrm>
           <a:prstGeom prst="rect">
